--- a/13팀리플렛.pptx
+++ b/13팀리플렛.pptx
@@ -104,6 +104,22 @@
       </a:defRPr>
     </a:lvl9pPr>
   </p:defaultTextStyle>
+  <p:extLst>
+    <p:ext uri="{EFAFB233-063F-42B5-8137-9DF3F51BA10A}">
+      <p15:sldGuideLst xmlns:p15="http://schemas.microsoft.com/office/powerpoint/2012/main">
+        <p15:guide id="1" orient="horz" pos="3435" userDrawn="1">
+          <p15:clr>
+            <a:srgbClr val="A4A3A4"/>
+          </p15:clr>
+        </p15:guide>
+        <p15:guide id="2" pos="2449" userDrawn="1">
+          <p15:clr>
+            <a:srgbClr val="A4A3A4"/>
+          </p15:clr>
+        </p15:guide>
+      </p15:sldGuideLst>
+    </p:ext>
+  </p:extLst>
 </p:presentation>
 </file>
 
@@ -2990,10 +3006,10 @@
       </p:grpSpPr>
       <p:sp>
         <p:nvSpPr>
-          <p:cNvPr id="33" name="사각형: 둥근 모서리 32">
+          <p:cNvPr id="16" name="사각형: 둥근 모서리 15">
             <a:extLst>
               <a:ext uri="{FF2B5EF4-FFF2-40B4-BE49-F238E27FC236}">
-                <a16:creationId xmlns:a16="http://schemas.microsoft.com/office/drawing/2014/main" id="{80AEC808-C08B-A118-1233-80C544C14783}"/>
+                <a16:creationId xmlns:a16="http://schemas.microsoft.com/office/drawing/2014/main" id="{DA9CFC22-2352-8139-0F3D-E20DC618AECC}"/>
               </a:ext>
             </a:extLst>
           </p:cNvPr>
@@ -3002,8 +3018,8 @@
         </p:nvSpPr>
         <p:spPr>
           <a:xfrm>
-            <a:off x="239559" y="2596608"/>
-            <a:ext cx="7296454" cy="5753783"/>
+            <a:off x="320804" y="4905255"/>
+            <a:ext cx="2856703" cy="4129556"/>
           </a:xfrm>
           <a:prstGeom prst="roundRect">
             <a:avLst/>
@@ -3038,6 +3054,60 @@
           <a:lstStyle/>
           <a:p>
             <a:pPr algn="ctr"/>
+            <a:endParaRPr lang="ko-KR" altLang="en-US" dirty="0"/>
+          </a:p>
+        </p:txBody>
+      </p:sp>
+      <p:sp>
+        <p:nvSpPr>
+          <p:cNvPr id="33" name="사각형: 둥근 모서리 32">
+            <a:extLst>
+              <a:ext uri="{FF2B5EF4-FFF2-40B4-BE49-F238E27FC236}">
+                <a16:creationId xmlns:a16="http://schemas.microsoft.com/office/drawing/2014/main" id="{80AEC808-C08B-A118-1233-80C544C14783}"/>
+              </a:ext>
+            </a:extLst>
+          </p:cNvPr>
+          <p:cNvSpPr/>
+          <p:nvPr/>
+        </p:nvSpPr>
+        <p:spPr>
+          <a:xfrm>
+            <a:off x="287461" y="3150454"/>
+            <a:ext cx="7200654" cy="1578939"/>
+          </a:xfrm>
+          <a:prstGeom prst="roundRect">
+            <a:avLst/>
+          </a:prstGeom>
+          <a:solidFill>
+            <a:schemeClr val="accent1">
+              <a:lumMod val="40000"/>
+              <a:lumOff val="60000"/>
+              <a:alpha val="50000"/>
+            </a:schemeClr>
+          </a:solidFill>
+          <a:ln>
+            <a:noFill/>
+          </a:ln>
+        </p:spPr>
+        <p:style>
+          <a:lnRef idx="0">
+            <a:scrgbClr r="0" g="0" b="0"/>
+          </a:lnRef>
+          <a:fillRef idx="0">
+            <a:scrgbClr r="0" g="0" b="0"/>
+          </a:fillRef>
+          <a:effectRef idx="0">
+            <a:scrgbClr r="0" g="0" b="0"/>
+          </a:effectRef>
+          <a:fontRef idx="minor">
+            <a:schemeClr val="lt1"/>
+          </a:fontRef>
+        </p:style>
+        <p:txBody>
+          <a:bodyPr rtlCol="0" anchor="ctr"/>
+          <a:lstStyle/>
+          <a:p>
+            <a:pPr algn="ctr"/>
             <a:endParaRPr lang="ko-KR" altLang="en-US"/>
           </a:p>
         </p:txBody>
@@ -3070,7 +3140,7 @@
         </p:blipFill>
         <p:spPr>
           <a:xfrm>
-            <a:off x="2144547" y="8254887"/>
+            <a:off x="2131547" y="8248313"/>
             <a:ext cx="3719184" cy="3719184"/>
           </a:xfrm>
           <a:prstGeom prst="rect">
@@ -3287,7 +3357,7 @@
         </p:blipFill>
         <p:spPr>
           <a:xfrm>
-            <a:off x="0" y="9244107"/>
+            <a:off x="6105861" y="9276102"/>
             <a:ext cx="1663606" cy="1663606"/>
           </a:xfrm>
           <a:prstGeom prst="rect">
@@ -3473,8 +3543,8 @@
         </p:blipFill>
         <p:spPr>
           <a:xfrm>
-            <a:off x="3459122" y="4434976"/>
-            <a:ext cx="3602831" cy="3459007"/>
+            <a:off x="3944024" y="4905255"/>
+            <a:ext cx="3510747" cy="4120961"/>
           </a:xfrm>
           <a:prstGeom prst="roundRect">
             <a:avLst>
@@ -3519,7 +3589,7 @@
         </p:nvSpPr>
         <p:spPr>
           <a:xfrm>
-            <a:off x="925522" y="3157341"/>
+            <a:off x="648890" y="3241513"/>
             <a:ext cx="6197594" cy="1600438"/>
           </a:xfrm>
           <a:prstGeom prst="rect">
@@ -3699,7 +3769,7 @@
         </p:nvSpPr>
         <p:spPr>
           <a:xfrm>
-            <a:off x="890907" y="4590684"/>
+            <a:off x="648890" y="5019754"/>
             <a:ext cx="2507053" cy="3785652"/>
           </a:xfrm>
           <a:prstGeom prst="rect">

--- a/13팀리플렛.pptx
+++ b/13팀리플렛.pptx
@@ -3019,7 +3019,7 @@
         <p:spPr>
           <a:xfrm>
             <a:off x="320804" y="4905255"/>
-            <a:ext cx="2856703" cy="4129556"/>
+            <a:ext cx="3510747" cy="4129556"/>
           </a:xfrm>
           <a:prstGeom prst="roundRect">
             <a:avLst/>
@@ -3770,7 +3770,7 @@
         <p:spPr>
           <a:xfrm>
             <a:off x="648890" y="5019754"/>
-            <a:ext cx="2507053" cy="3785652"/>
+            <a:ext cx="2381693" cy="3785652"/>
           </a:xfrm>
           <a:prstGeom prst="rect">
             <a:avLst/>
